--- a/docs/FIGURE/RegDisc/RegDiscontinuity.pptx
+++ b/docs/FIGURE/RegDisc/RegDiscontinuity.pptx
@@ -10,6 +10,9 @@
     <p:sldId id="271" r:id="rId4"/>
     <p:sldId id="265" r:id="rId5"/>
     <p:sldId id="273" r:id="rId6"/>
+    <p:sldId id="274" r:id="rId7"/>
+    <p:sldId id="275" r:id="rId8"/>
+    <p:sldId id="276" r:id="rId9"/>
   </p:sldIdLst>
   <p:sldSz cx="12192000" cy="6858000"/>
   <p:notesSz cx="6858000" cy="9144000"/>
@@ -245,7 +248,7 @@
           <a:p>
             <a:fld id="{23F529E9-E3AD-42B3-AF4D-86F77E4AD1E1}" type="datetimeFigureOut">
               <a:rPr lang="en-US" smtClean="0"/>
-              <a:t>4/3/2019</a:t>
+              <a:t>4/17/2019</a:t>
             </a:fld>
             <a:endParaRPr lang="en-US"/>
           </a:p>
@@ -413,7 +416,7 @@
           <a:p>
             <a:fld id="{23F529E9-E3AD-42B3-AF4D-86F77E4AD1E1}" type="datetimeFigureOut">
               <a:rPr lang="en-US" smtClean="0"/>
-              <a:t>4/3/2019</a:t>
+              <a:t>4/17/2019</a:t>
             </a:fld>
             <a:endParaRPr lang="en-US"/>
           </a:p>
@@ -591,7 +594,7 @@
           <a:p>
             <a:fld id="{23F529E9-E3AD-42B3-AF4D-86F77E4AD1E1}" type="datetimeFigureOut">
               <a:rPr lang="en-US" smtClean="0"/>
-              <a:t>4/3/2019</a:t>
+              <a:t>4/17/2019</a:t>
             </a:fld>
             <a:endParaRPr lang="en-US"/>
           </a:p>
@@ -759,7 +762,7 @@
           <a:p>
             <a:fld id="{23F529E9-E3AD-42B3-AF4D-86F77E4AD1E1}" type="datetimeFigureOut">
               <a:rPr lang="en-US" smtClean="0"/>
-              <a:t>4/3/2019</a:t>
+              <a:t>4/17/2019</a:t>
             </a:fld>
             <a:endParaRPr lang="en-US"/>
           </a:p>
@@ -1004,7 +1007,7 @@
           <a:p>
             <a:fld id="{23F529E9-E3AD-42B3-AF4D-86F77E4AD1E1}" type="datetimeFigureOut">
               <a:rPr lang="en-US" smtClean="0"/>
-              <a:t>4/3/2019</a:t>
+              <a:t>4/17/2019</a:t>
             </a:fld>
             <a:endParaRPr lang="en-US"/>
           </a:p>
@@ -1233,7 +1236,7 @@
           <a:p>
             <a:fld id="{23F529E9-E3AD-42B3-AF4D-86F77E4AD1E1}" type="datetimeFigureOut">
               <a:rPr lang="en-US" smtClean="0"/>
-              <a:t>4/3/2019</a:t>
+              <a:t>4/17/2019</a:t>
             </a:fld>
             <a:endParaRPr lang="en-US"/>
           </a:p>
@@ -1597,7 +1600,7 @@
           <a:p>
             <a:fld id="{23F529E9-E3AD-42B3-AF4D-86F77E4AD1E1}" type="datetimeFigureOut">
               <a:rPr lang="en-US" smtClean="0"/>
-              <a:t>4/3/2019</a:t>
+              <a:t>4/17/2019</a:t>
             </a:fld>
             <a:endParaRPr lang="en-US"/>
           </a:p>
@@ -1714,7 +1717,7 @@
           <a:p>
             <a:fld id="{23F529E9-E3AD-42B3-AF4D-86F77E4AD1E1}" type="datetimeFigureOut">
               <a:rPr lang="en-US" smtClean="0"/>
-              <a:t>4/3/2019</a:t>
+              <a:t>4/17/2019</a:t>
             </a:fld>
             <a:endParaRPr lang="en-US"/>
           </a:p>
@@ -1809,7 +1812,7 @@
           <a:p>
             <a:fld id="{23F529E9-E3AD-42B3-AF4D-86F77E4AD1E1}" type="datetimeFigureOut">
               <a:rPr lang="en-US" smtClean="0"/>
-              <a:t>4/3/2019</a:t>
+              <a:t>4/17/2019</a:t>
             </a:fld>
             <a:endParaRPr lang="en-US"/>
           </a:p>
@@ -2084,7 +2087,7 @@
           <a:p>
             <a:fld id="{23F529E9-E3AD-42B3-AF4D-86F77E4AD1E1}" type="datetimeFigureOut">
               <a:rPr lang="en-US" smtClean="0"/>
-              <a:t>4/3/2019</a:t>
+              <a:t>4/17/2019</a:t>
             </a:fld>
             <a:endParaRPr lang="en-US"/>
           </a:p>
@@ -2336,7 +2339,7 @@
           <a:p>
             <a:fld id="{23F529E9-E3AD-42B3-AF4D-86F77E4AD1E1}" type="datetimeFigureOut">
               <a:rPr lang="en-US" smtClean="0"/>
-              <a:t>4/3/2019</a:t>
+              <a:t>4/17/2019</a:t>
             </a:fld>
             <a:endParaRPr lang="en-US"/>
           </a:p>
@@ -2547,7 +2550,7 @@
           <a:p>
             <a:fld id="{23F529E9-E3AD-42B3-AF4D-86F77E4AD1E1}" type="datetimeFigureOut">
               <a:rPr lang="en-US" smtClean="0"/>
-              <a:t>4/3/2019</a:t>
+              <a:t>4/17/2019</a:t>
             </a:fld>
             <a:endParaRPr lang="en-US"/>
           </a:p>
@@ -5788,6 +5791,168 @@
 </p:sld>
 </file>
 
+<file path=ppt/slides/slide6.xml><?xml version="1.0" encoding="utf-8"?>
+<p:sld xmlns:a="http://schemas.openxmlformats.org/drawingml/2006/main" xmlns:r="http://schemas.openxmlformats.org/officeDocument/2006/relationships" xmlns:p="http://schemas.openxmlformats.org/presentationml/2006/main">
+  <p:cSld>
+    <p:spTree>
+      <p:nvGrpSpPr>
+        <p:cNvPr id="1" name=""/>
+        <p:cNvGrpSpPr/>
+        <p:nvPr/>
+      </p:nvGrpSpPr>
+      <p:grpSpPr>
+        <a:xfrm>
+          <a:off x="0" y="0"/>
+          <a:ext cx="0" cy="0"/>
+          <a:chOff x="0" y="0"/>
+          <a:chExt cx="0" cy="0"/>
+        </a:xfrm>
+      </p:grpSpPr>
+      <p:pic>
+        <p:nvPicPr>
+          <p:cNvPr id="4" name="Picture 3"/>
+          <p:cNvPicPr>
+            <a:picLocks noChangeAspect="1"/>
+          </p:cNvPicPr>
+          <p:nvPr/>
+        </p:nvPicPr>
+        <p:blipFill>
+          <a:blip r:embed="rId2"/>
+          <a:stretch>
+            <a:fillRect/>
+          </a:stretch>
+        </p:blipFill>
+        <p:spPr>
+          <a:xfrm>
+            <a:off x="3532410" y="2221887"/>
+            <a:ext cx="5127180" cy="2414225"/>
+          </a:xfrm>
+          <a:prstGeom prst="rect">
+            <a:avLst/>
+          </a:prstGeom>
+        </p:spPr>
+      </p:pic>
+    </p:spTree>
+    <p:extLst>
+      <p:ext uri="{BB962C8B-B14F-4D97-AF65-F5344CB8AC3E}">
+        <p14:creationId xmlns:p14="http://schemas.microsoft.com/office/powerpoint/2010/main" val="1410927846"/>
+      </p:ext>
+    </p:extLst>
+  </p:cSld>
+  <p:clrMapOvr>
+    <a:masterClrMapping/>
+  </p:clrMapOvr>
+</p:sld>
+</file>
+
+<file path=ppt/slides/slide7.xml><?xml version="1.0" encoding="utf-8"?>
+<p:sld xmlns:a="http://schemas.openxmlformats.org/drawingml/2006/main" xmlns:r="http://schemas.openxmlformats.org/officeDocument/2006/relationships" xmlns:p="http://schemas.openxmlformats.org/presentationml/2006/main">
+  <p:cSld>
+    <p:spTree>
+      <p:nvGrpSpPr>
+        <p:cNvPr id="1" name=""/>
+        <p:cNvGrpSpPr/>
+        <p:nvPr/>
+      </p:nvGrpSpPr>
+      <p:grpSpPr>
+        <a:xfrm>
+          <a:off x="0" y="0"/>
+          <a:ext cx="0" cy="0"/>
+          <a:chOff x="0" y="0"/>
+          <a:chExt cx="0" cy="0"/>
+        </a:xfrm>
+      </p:grpSpPr>
+      <p:pic>
+        <p:nvPicPr>
+          <p:cNvPr id="4" name="Picture 3"/>
+          <p:cNvPicPr>
+            <a:picLocks noChangeAspect="1"/>
+          </p:cNvPicPr>
+          <p:nvPr/>
+        </p:nvPicPr>
+        <p:blipFill>
+          <a:blip r:embed="rId2"/>
+          <a:stretch>
+            <a:fillRect/>
+          </a:stretch>
+        </p:blipFill>
+        <p:spPr>
+          <a:xfrm>
+            <a:off x="3578134" y="2194453"/>
+            <a:ext cx="5035732" cy="2469094"/>
+          </a:xfrm>
+          <a:prstGeom prst="rect">
+            <a:avLst/>
+          </a:prstGeom>
+        </p:spPr>
+      </p:pic>
+    </p:spTree>
+    <p:extLst>
+      <p:ext uri="{BB962C8B-B14F-4D97-AF65-F5344CB8AC3E}">
+        <p14:creationId xmlns:p14="http://schemas.microsoft.com/office/powerpoint/2010/main" val="1403386909"/>
+      </p:ext>
+    </p:extLst>
+  </p:cSld>
+  <p:clrMapOvr>
+    <a:masterClrMapping/>
+  </p:clrMapOvr>
+</p:sld>
+</file>
+
+<file path=ppt/slides/slide8.xml><?xml version="1.0" encoding="utf-8"?>
+<p:sld xmlns:a="http://schemas.openxmlformats.org/drawingml/2006/main" xmlns:r="http://schemas.openxmlformats.org/officeDocument/2006/relationships" xmlns:p="http://schemas.openxmlformats.org/presentationml/2006/main">
+  <p:cSld>
+    <p:spTree>
+      <p:nvGrpSpPr>
+        <p:cNvPr id="1" name=""/>
+        <p:cNvGrpSpPr/>
+        <p:nvPr/>
+      </p:nvGrpSpPr>
+      <p:grpSpPr>
+        <a:xfrm>
+          <a:off x="0" y="0"/>
+          <a:ext cx="0" cy="0"/>
+          <a:chOff x="0" y="0"/>
+          <a:chExt cx="0" cy="0"/>
+        </a:xfrm>
+      </p:grpSpPr>
+      <p:pic>
+        <p:nvPicPr>
+          <p:cNvPr id="5" name="Picture 4"/>
+          <p:cNvPicPr>
+            <a:picLocks noChangeAspect="1"/>
+          </p:cNvPicPr>
+          <p:nvPr/>
+        </p:nvPicPr>
+        <p:blipFill>
+          <a:blip r:embed="rId2"/>
+          <a:stretch>
+            <a:fillRect/>
+          </a:stretch>
+        </p:blipFill>
+        <p:spPr>
+          <a:xfrm>
+            <a:off x="3633002" y="2206646"/>
+            <a:ext cx="4925995" cy="2444708"/>
+          </a:xfrm>
+          <a:prstGeom prst="rect">
+            <a:avLst/>
+          </a:prstGeom>
+        </p:spPr>
+      </p:pic>
+    </p:spTree>
+    <p:extLst>
+      <p:ext uri="{BB962C8B-B14F-4D97-AF65-F5344CB8AC3E}">
+        <p14:creationId xmlns:p14="http://schemas.microsoft.com/office/powerpoint/2010/main" val="636769939"/>
+      </p:ext>
+    </p:extLst>
+  </p:cSld>
+  <p:clrMapOvr>
+    <a:masterClrMapping/>
+  </p:clrMapOvr>
+</p:sld>
+</file>
+
 <file path=ppt/theme/theme1.xml><?xml version="1.0" encoding="utf-8"?>
 <a:theme xmlns:a="http://schemas.openxmlformats.org/drawingml/2006/main" name="Office Theme">
   <a:themeElements>
